--- a/cdp.pptx
+++ b/cdp.pptx
@@ -41152,7 +41152,7 @@
             </a:r>
             <a:r>
               <a:rPr lang="pl-PL" sz="1400" dirty="0"/>
-              <a:t>:</a:t>
+              <a:t> i.e.:</a:t>
             </a:r>
           </a:p>
           <a:p>
@@ -41162,10 +41162,6 @@
               </a:lnSpc>
             </a:pPr>
             <a:r>
-              <a:rPr lang="pl-PL" sz="1400" dirty="0"/>
-              <a:t>SVM, </a:t>
-            </a:r>
-            <a:r>
               <a:rPr lang="pl-PL" sz="1400" dirty="0" err="1"/>
               <a:t>RandomForestClassifier</a:t>
             </a:r>
@@ -41176,14 +41172,6 @@
             <a:r>
               <a:rPr lang="pl-PL" sz="1400" dirty="0" err="1"/>
               <a:t>DecisionTreeClassifier</a:t>
-            </a:r>
-            <a:r>
-              <a:rPr lang="pl-PL" sz="1400" dirty="0"/>
-              <a:t>, </a:t>
-            </a:r>
-            <a:r>
-              <a:rPr lang="pl-PL" sz="1400" dirty="0" err="1"/>
-              <a:t>HistGradientBoostingClassifier</a:t>
             </a:r>
             <a:endParaRPr lang="pl-PL" sz="1400" dirty="0"/>
           </a:p>
@@ -41495,7 +41483,7 @@
         </p:nvSpPr>
         <p:spPr>
           <a:xfrm>
-            <a:off x="250169" y="378831"/>
+            <a:off x="242076" y="126432"/>
             <a:ext cx="8280000" cy="368100"/>
           </a:xfrm>
         </p:spPr>
@@ -41504,12 +41492,35 @@
           <a:lstStyle/>
           <a:p>
             <a:r>
-              <a:rPr lang="pl-PL" sz="3200" b="1" dirty="0"/>
+              <a:rPr lang="pl-PL" sz="3600" b="1" dirty="0"/>
               <a:t>Best </a:t>
             </a:r>
             <a:r>
-              <a:rPr lang="pl-PL" sz="3200" b="1" dirty="0" err="1"/>
+              <a:rPr lang="pl-PL" sz="3600" b="1" dirty="0" err="1"/>
               <a:t>models</a:t>
+            </a:r>
+            <a:br>
+              <a:rPr lang="pl-PL" sz="4400" b="1" dirty="0"/>
+            </a:br>
+            <a:r>
+              <a:rPr lang="pl-PL" sz="2400" i="1" dirty="0"/>
+              <a:t>(</a:t>
+            </a:r>
+            <a:r>
+              <a:rPr lang="pl-PL" sz="2400" i="1" dirty="0" err="1"/>
+              <a:t>selected</a:t>
+            </a:r>
+            <a:r>
+              <a:rPr lang="pl-PL" sz="2400" i="1" dirty="0"/>
+              <a:t> </a:t>
+            </a:r>
+            <a:r>
+              <a:rPr lang="pl-PL" sz="2400" i="1" dirty="0" err="1"/>
+              <a:t>examples</a:t>
+            </a:r>
+            <a:r>
+              <a:rPr lang="pl-PL" sz="2400" i="1" dirty="0"/>
+              <a:t>)</a:t>
             </a:r>
             <a:endParaRPr lang="en-US" sz="3200" b="1" dirty="0"/>
           </a:p>
@@ -41567,7 +41578,7 @@
         </p:blipFill>
         <p:spPr>
           <a:xfrm>
-            <a:off x="250169" y="1067806"/>
+            <a:off x="250169" y="1156818"/>
             <a:ext cx="9402487" cy="1505160"/>
           </a:xfrm>
           <a:prstGeom prst="rect">
@@ -41693,7 +41704,7 @@
         </p:nvSpPr>
         <p:spPr>
           <a:xfrm>
-            <a:off x="6987208" y="1067806"/>
+            <a:off x="6987208" y="1156818"/>
             <a:ext cx="2714000" cy="1505160"/>
           </a:xfrm>
           <a:prstGeom prst="rect">
@@ -41733,6 +41744,66 @@
           </a:p>
         </p:txBody>
       </p:sp>
+      <p:pic>
+        <p:nvPicPr>
+          <p:cNvPr id="6" name="Obraz 5">
+            <a:extLst>
+              <a:ext uri="{FF2B5EF4-FFF2-40B4-BE49-F238E27FC236}">
+                <a16:creationId xmlns:a16="http://schemas.microsoft.com/office/drawing/2014/main" id="{E03CCA7E-DAB6-E309-277C-D78B478B1D70}"/>
+              </a:ext>
+            </a:extLst>
+          </p:cNvPr>
+          <p:cNvPicPr>
+            <a:picLocks noChangeAspect="1"/>
+          </p:cNvPicPr>
+          <p:nvPr/>
+        </p:nvPicPr>
+        <p:blipFill>
+          <a:blip r:embed="rId5"/>
+          <a:stretch>
+            <a:fillRect/>
+          </a:stretch>
+        </p:blipFill>
+        <p:spPr>
+          <a:xfrm>
+            <a:off x="242076" y="2258189"/>
+            <a:ext cx="7032663" cy="368100"/>
+          </a:xfrm>
+          <a:prstGeom prst="rect">
+            <a:avLst/>
+          </a:prstGeom>
+        </p:spPr>
+      </p:pic>
+      <p:pic>
+        <p:nvPicPr>
+          <p:cNvPr id="8" name="Obraz 7">
+            <a:extLst>
+              <a:ext uri="{FF2B5EF4-FFF2-40B4-BE49-F238E27FC236}">
+                <a16:creationId xmlns:a16="http://schemas.microsoft.com/office/drawing/2014/main" id="{3CDB4656-41A8-B329-7D0D-D6D17338125B}"/>
+              </a:ext>
+            </a:extLst>
+          </p:cNvPr>
+          <p:cNvPicPr>
+            <a:picLocks noChangeAspect="1"/>
+          </p:cNvPicPr>
+          <p:nvPr/>
+        </p:nvPicPr>
+        <p:blipFill>
+          <a:blip r:embed="rId5"/>
+          <a:stretch>
+            <a:fillRect/>
+          </a:stretch>
+        </p:blipFill>
+        <p:spPr>
+          <a:xfrm>
+            <a:off x="250169" y="5651614"/>
+            <a:ext cx="10297962" cy="479908"/>
+          </a:xfrm>
+          <a:prstGeom prst="rect">
+            <a:avLst/>
+          </a:prstGeom>
+        </p:spPr>
+      </p:pic>
     </p:spTree>
     <p:extLst>
       <p:ext uri="{BB962C8B-B14F-4D97-AF65-F5344CB8AC3E}">
@@ -41917,6 +41988,66 @@
           </a:p>
         </p:txBody>
       </p:sp>
+      <p:pic>
+        <p:nvPicPr>
+          <p:cNvPr id="9" name="Obraz 8">
+            <a:extLst>
+              <a:ext uri="{FF2B5EF4-FFF2-40B4-BE49-F238E27FC236}">
+                <a16:creationId xmlns:a16="http://schemas.microsoft.com/office/drawing/2014/main" id="{BF41ADF9-FFC3-0C86-7500-ACD4DFBF711E}"/>
+              </a:ext>
+            </a:extLst>
+          </p:cNvPr>
+          <p:cNvPicPr>
+            <a:picLocks noChangeAspect="1"/>
+          </p:cNvPicPr>
+          <p:nvPr/>
+        </p:nvPicPr>
+        <p:blipFill>
+          <a:blip r:embed="rId5"/>
+          <a:stretch>
+            <a:fillRect/>
+          </a:stretch>
+        </p:blipFill>
+        <p:spPr>
+          <a:xfrm>
+            <a:off x="2387150" y="1411678"/>
+            <a:ext cx="3187274" cy="263028"/>
+          </a:xfrm>
+          <a:prstGeom prst="rect">
+            <a:avLst/>
+          </a:prstGeom>
+        </p:spPr>
+      </p:pic>
+      <p:pic>
+        <p:nvPicPr>
+          <p:cNvPr id="10" name="Obraz 9">
+            <a:extLst>
+              <a:ext uri="{FF2B5EF4-FFF2-40B4-BE49-F238E27FC236}">
+                <a16:creationId xmlns:a16="http://schemas.microsoft.com/office/drawing/2014/main" id="{1098E2CA-0875-375E-3260-09C6E0E15F4A}"/>
+              </a:ext>
+            </a:extLst>
+          </p:cNvPr>
+          <p:cNvPicPr>
+            <a:picLocks noChangeAspect="1"/>
+          </p:cNvPicPr>
+          <p:nvPr/>
+        </p:nvPicPr>
+        <p:blipFill>
+          <a:blip r:embed="rId5"/>
+          <a:stretch>
+            <a:fillRect/>
+          </a:stretch>
+        </p:blipFill>
+        <p:spPr>
+          <a:xfrm>
+            <a:off x="7658999" y="1336120"/>
+            <a:ext cx="3187274" cy="263028"/>
+          </a:xfrm>
+          <a:prstGeom prst="rect">
+            <a:avLst/>
+          </a:prstGeom>
+        </p:spPr>
+      </p:pic>
     </p:spTree>
     <p:extLst>
       <p:ext uri="{BB962C8B-B14F-4D97-AF65-F5344CB8AC3E}">
@@ -51628,55 +51759,6 @@
 </file>
 
 <file path=customXml/item1.xml><?xml version="1.0" encoding="utf-8"?>
-<sax_ColorSelect>
-  <Line>
-    <Color val="000000"/>
-    <Color val="FFFFFF"/>
-  </Line>
-  <Line>
-    <Color val="ff6840"/>
-    <Color val="ffaf97"/>
-    <Color val="c05930"/>
-  </Line>
-  <Line>
-    <Color val="ffca29"/>
-    <Color val="ffe38e"/>
-    <Color val="d6a330"/>
-  </Line>
-  <Line>
-    <Color val="1672cd"/>
-    <Color val="a2c7eb"/>
-    <Color val="053968"/>
-  </Line>
-  <Line>
-    <Color val="e73e3e"/>
-    <Color val="ec8493"/>
-    <Color val="942424"/>
-  </Line>
-  <Line>
-    <Color val="73c1da"/>
-    <Color val="b9e0ec"/>
-    <Color val="195866"/>
-  </Line>
-  <Line>
-    <Color val="319d63"/>
-    <Color val="98ceb1"/>
-    <Color val="184c2d"/>
-  </Line>
-  <Line>
-    <Color val="882e99"/>
-    <Color val="c69dcf"/>
-    <Color val="542a5e"/>
-  </Line>
-  <Line>
-    <Color val="bcbcbc"/>
-    <Color val="e0e0e0"/>
-    <Color val="969696"/>
-  </Line>
-</sax_ColorSelect>
-</file>
-
-<file path=customXml/item2.xml><?xml version="1.0" encoding="utf-8"?>
 <saxML>
   <saxMLTemplate>presentation_169</saxMLTemplate>
   <Variablen>
@@ -51854,14 +51936,63 @@
 </saxML>
 </file>
 
+<file path=customXml/item2.xml><?xml version="1.0" encoding="utf-8"?>
+<sax_ColorSelect>
+  <Line>
+    <Color val="000000"/>
+    <Color val="FFFFFF"/>
+  </Line>
+  <Line>
+    <Color val="ff6840"/>
+    <Color val="ffaf97"/>
+    <Color val="c05930"/>
+  </Line>
+  <Line>
+    <Color val="ffca29"/>
+    <Color val="ffe38e"/>
+    <Color val="d6a330"/>
+  </Line>
+  <Line>
+    <Color val="1672cd"/>
+    <Color val="a2c7eb"/>
+    <Color val="053968"/>
+  </Line>
+  <Line>
+    <Color val="e73e3e"/>
+    <Color val="ec8493"/>
+    <Color val="942424"/>
+  </Line>
+  <Line>
+    <Color val="73c1da"/>
+    <Color val="b9e0ec"/>
+    <Color val="195866"/>
+  </Line>
+  <Line>
+    <Color val="319d63"/>
+    <Color val="98ceb1"/>
+    <Color val="184c2d"/>
+  </Line>
+  <Line>
+    <Color val="882e99"/>
+    <Color val="c69dcf"/>
+    <Color val="542a5e"/>
+  </Line>
+  <Line>
+    <Color val="bcbcbc"/>
+    <Color val="e0e0e0"/>
+    <Color val="969696"/>
+  </Line>
+</sax_ColorSelect>
+</file>
+
 <file path=customXml/itemProps1.xml><?xml version="1.0" encoding="utf-8"?>
-<ds:datastoreItem xmlns:ds="http://schemas.openxmlformats.org/officeDocument/2006/customXml" ds:itemID="{851F8D28-4CE2-477E-99A0-70CA83969D99}">
+<ds:datastoreItem xmlns:ds="http://schemas.openxmlformats.org/officeDocument/2006/customXml" ds:itemID="{0EAF4A1A-D19C-4C9E-B02C-ED7147D18A40}">
   <ds:schemaRefs/>
 </ds:datastoreItem>
 </file>
 
 <file path=customXml/itemProps2.xml><?xml version="1.0" encoding="utf-8"?>
-<ds:datastoreItem xmlns:ds="http://schemas.openxmlformats.org/officeDocument/2006/customXml" ds:itemID="{0EAF4A1A-D19C-4C9E-B02C-ED7147D18A40}">
+<ds:datastoreItem xmlns:ds="http://schemas.openxmlformats.org/officeDocument/2006/customXml" ds:itemID="{851F8D28-4CE2-477E-99A0-70CA83969D99}">
   <ds:schemaRefs/>
 </ds:datastoreItem>
 </file>